--- a/Report – Key Findings.pptx
+++ b/Report – Key Findings.pptx
@@ -115,6 +115,11 @@
       </a:defRPr>
     </a:lvl9pPr>
   </p:defaultTextStyle>
+  <p:extLst>
+    <p:ext uri="{EFAFB233-063F-42B5-8137-9DF3F51BA10A}">
+      <p15:sldGuideLst xmlns:p15="http://schemas.microsoft.com/office/powerpoint/2012/main"/>
+    </p:ext>
+  </p:extLst>
 </p:presentation>
 </file>
 
@@ -15459,13 +15464,40 @@
         </p:nvSpPr>
         <p:spPr/>
         <p:txBody>
-          <a:bodyPr/>
+          <a:bodyPr>
+            <a:normAutofit fontScale="85000" lnSpcReduction="20000"/>
+          </a:bodyPr>
           <a:lstStyle/>
           <a:p>
             <a:r>
               <a:rPr lang="en-US" dirty="0"/>
               <a:t>Somewhat troubles interpreting the results, especially the ones from the hierarchical clustering . More than plotting and seeing the differences in the parties is not really possible. Maybe it would have been also more interesting to have the dates of the speeches in order to get the topics over time. This would make the data analysis somewhat more interesting and meaningful.</a:t>
             </a:r>
+          </a:p>
+          <a:p>
+            <a:r>
+              <a:rPr lang="en-US" dirty="0"/>
+              <a:t>As we saw that the interpretation of the clustering was in some cases rather difficult. Especially if the groups are too large.</a:t>
+            </a:r>
+          </a:p>
+          <a:p>
+            <a:r>
+              <a:rPr lang="en-US" dirty="0"/>
+              <a:t>I would suggest that there are not too many topics for the German data, as the grouping/clustering gets more difficult and less easy to interpret. Moreover for each topic in the topic-analysis I would not look at more than </a:t>
+            </a:r>
+            <a:r>
+              <a:rPr lang="en-US"/>
+              <a:t>10 words, best </a:t>
+            </a:r>
+            <a:r>
+              <a:rPr lang="en-US" dirty="0"/>
+              <a:t>would be 3 just in order to get the </a:t>
+            </a:r>
+            <a:r>
+              <a:rPr lang="en-US"/>
+              <a:t>main idea of a topic. </a:t>
+            </a:r>
+            <a:endParaRPr lang="en-US" dirty="0"/>
           </a:p>
         </p:txBody>
       </p:sp>

--- a/Report – Key Findings.pptx
+++ b/Report – Key Findings.pptx
@@ -2332,7 +2332,7 @@
           <a:bodyPr rtlCol="0" anchor="ctr"/>
           <a:lstStyle/>
           <a:p>
-            <a:endParaRPr lang="en-US" dirty="0"/>
+            <a:endParaRPr lang="en-US"/>
           </a:p>
         </p:txBody>
       </p:sp>
@@ -2470,7 +2470,7 @@
           <a:p>
             <a:fld id="{3C04E684-10F4-4CC3-A0B9-F03AA7BE37CF}" type="datetimeFigureOut">
               <a:rPr lang="en-US" smtClean="0"/>
-              <a:t>4/24/2022</a:t>
+              <a:t>4/26/22</a:t>
             </a:fld>
             <a:endParaRPr lang="en-US"/>
           </a:p>
@@ -2524,7 +2524,7 @@
           <a:p>
             <a:fld id="{51845F5A-061D-4825-9AE9-D7794091C6CF}" type="slidenum">
               <a:rPr lang="en-US" smtClean="0"/>
-              <a:t>‹Nr.›</a:t>
+              <a:t>‹#›</a:t>
             </a:fld>
             <a:endParaRPr lang="en-US"/>
           </a:p>
@@ -4752,7 +4752,7 @@
           <a:bodyPr rtlCol="0" anchor="ctr"/>
           <a:lstStyle/>
           <a:p>
-            <a:endParaRPr lang="en-US" dirty="0"/>
+            <a:endParaRPr lang="en-US"/>
           </a:p>
         </p:txBody>
       </p:sp>
@@ -4960,7 +4960,7 @@
           <a:p>
             <a:fld id="{3C04E684-10F4-4CC3-A0B9-F03AA7BE37CF}" type="datetimeFigureOut">
               <a:rPr lang="en-US" smtClean="0"/>
-              <a:t>4/24/2022</a:t>
+              <a:t>4/26/22</a:t>
             </a:fld>
             <a:endParaRPr lang="en-US"/>
           </a:p>
@@ -5014,7 +5014,7 @@
           <a:p>
             <a:fld id="{51845F5A-061D-4825-9AE9-D7794091C6CF}" type="slidenum">
               <a:rPr lang="en-US" smtClean="0"/>
-              <a:t>‹Nr.›</a:t>
+              <a:t>‹#›</a:t>
             </a:fld>
             <a:endParaRPr lang="en-US"/>
           </a:p>
@@ -5158,7 +5158,7 @@
           <a:p>
             <a:fld id="{3C04E684-10F4-4CC3-A0B9-F03AA7BE37CF}" type="datetimeFigureOut">
               <a:rPr lang="en-US" smtClean="0"/>
-              <a:t>4/24/2022</a:t>
+              <a:t>4/26/22</a:t>
             </a:fld>
             <a:endParaRPr lang="en-US"/>
           </a:p>
@@ -5212,7 +5212,7 @@
           <a:p>
             <a:fld id="{51845F5A-061D-4825-9AE9-D7794091C6CF}" type="slidenum">
               <a:rPr lang="en-US" smtClean="0"/>
-              <a:t>‹Nr.›</a:t>
+              <a:t>‹#›</a:t>
             </a:fld>
             <a:endParaRPr lang="en-US"/>
           </a:p>
@@ -5366,7 +5366,7 @@
           <a:p>
             <a:fld id="{3C04E684-10F4-4CC3-A0B9-F03AA7BE37CF}" type="datetimeFigureOut">
               <a:rPr lang="en-US" smtClean="0"/>
-              <a:t>4/24/2022</a:t>
+              <a:t>4/26/22</a:t>
             </a:fld>
             <a:endParaRPr lang="en-US"/>
           </a:p>
@@ -5420,7 +5420,7 @@
           <a:p>
             <a:fld id="{51845F5A-061D-4825-9AE9-D7794091C6CF}" type="slidenum">
               <a:rPr lang="en-US" smtClean="0"/>
-              <a:t>‹Nr.›</a:t>
+              <a:t>‹#›</a:t>
             </a:fld>
             <a:endParaRPr lang="en-US"/>
           </a:p>
@@ -6103,7 +6103,7 @@
           <a:p>
             <a:fld id="{3C04E684-10F4-4CC3-A0B9-F03AA7BE37CF}" type="datetimeFigureOut">
               <a:rPr lang="en-US" smtClean="0"/>
-              <a:t>4/24/2022</a:t>
+              <a:t>4/26/22</a:t>
             </a:fld>
             <a:endParaRPr lang="en-US"/>
           </a:p>
@@ -6157,7 +6157,7 @@
           <a:p>
             <a:fld id="{51845F5A-061D-4825-9AE9-D7794091C6CF}" type="slidenum">
               <a:rPr lang="en-US" smtClean="0"/>
-              <a:t>‹Nr.›</a:t>
+              <a:t>‹#›</a:t>
             </a:fld>
             <a:endParaRPr lang="en-US"/>
           </a:p>
@@ -6745,7 +6745,7 @@
           <a:p>
             <a:fld id="{3C04E684-10F4-4CC3-A0B9-F03AA7BE37CF}" type="datetimeFigureOut">
               <a:rPr lang="en-US" smtClean="0"/>
-              <a:t>4/24/2022</a:t>
+              <a:t>4/26/22</a:t>
             </a:fld>
             <a:endParaRPr lang="en-US"/>
           </a:p>
@@ -6799,7 +6799,7 @@
           <a:p>
             <a:fld id="{51845F5A-061D-4825-9AE9-D7794091C6CF}" type="slidenum">
               <a:rPr lang="en-US" smtClean="0"/>
-              <a:t>‹Nr.›</a:t>
+              <a:t>‹#›</a:t>
             </a:fld>
             <a:endParaRPr lang="en-US"/>
           </a:p>
@@ -7545,7 +7545,7 @@
           <a:p>
             <a:fld id="{3C04E684-10F4-4CC3-A0B9-F03AA7BE37CF}" type="datetimeFigureOut">
               <a:rPr lang="en-US" smtClean="0"/>
-              <a:t>4/24/2022</a:t>
+              <a:t>4/26/22</a:t>
             </a:fld>
             <a:endParaRPr lang="en-US"/>
           </a:p>
@@ -7599,7 +7599,7 @@
           <a:p>
             <a:fld id="{51845F5A-061D-4825-9AE9-D7794091C6CF}" type="slidenum">
               <a:rPr lang="en-US" smtClean="0"/>
-              <a:t>‹Nr.›</a:t>
+              <a:t>‹#›</a:t>
             </a:fld>
             <a:endParaRPr lang="en-US"/>
           </a:p>
@@ -8496,7 +8496,7 @@
           <a:p>
             <a:fld id="{3C04E684-10F4-4CC3-A0B9-F03AA7BE37CF}" type="datetimeFigureOut">
               <a:rPr lang="en-US" smtClean="0"/>
-              <a:t>4/24/2022</a:t>
+              <a:t>4/26/22</a:t>
             </a:fld>
             <a:endParaRPr lang="en-US"/>
           </a:p>
@@ -8550,7 +8550,7 @@
           <a:p>
             <a:fld id="{51845F5A-061D-4825-9AE9-D7794091C6CF}" type="slidenum">
               <a:rPr lang="en-US" smtClean="0"/>
-              <a:t>‹Nr.›</a:t>
+              <a:t>‹#›</a:t>
             </a:fld>
             <a:endParaRPr lang="en-US"/>
           </a:p>
@@ -10778,7 +10778,7 @@
           <a:bodyPr rtlCol="0" anchor="ctr"/>
           <a:lstStyle/>
           <a:p>
-            <a:endParaRPr lang="en-US" dirty="0"/>
+            <a:endParaRPr lang="en-US"/>
           </a:p>
         </p:txBody>
       </p:sp>
@@ -10845,7 +10845,7 @@
           <a:p>
             <a:fld id="{3C04E684-10F4-4CC3-A0B9-F03AA7BE37CF}" type="datetimeFigureOut">
               <a:rPr lang="en-US" smtClean="0"/>
-              <a:t>4/24/2022</a:t>
+              <a:t>4/26/22</a:t>
             </a:fld>
             <a:endParaRPr lang="en-US"/>
           </a:p>
@@ -10899,7 +10899,7 @@
           <a:p>
             <a:fld id="{51845F5A-061D-4825-9AE9-D7794091C6CF}" type="slidenum">
               <a:rPr lang="en-US" smtClean="0"/>
-              <a:t>‹Nr.›</a:t>
+              <a:t>‹#›</a:t>
             </a:fld>
             <a:endParaRPr lang="en-US"/>
           </a:p>
@@ -10958,7 +10958,7 @@
           <a:p>
             <a:fld id="{3C04E684-10F4-4CC3-A0B9-F03AA7BE37CF}" type="datetimeFigureOut">
               <a:rPr lang="en-US" smtClean="0"/>
-              <a:t>4/24/2022</a:t>
+              <a:t>4/26/22</a:t>
             </a:fld>
             <a:endParaRPr lang="en-US"/>
           </a:p>
@@ -11012,7 +11012,7 @@
           <a:p>
             <a:fld id="{51845F5A-061D-4825-9AE9-D7794091C6CF}" type="slidenum">
               <a:rPr lang="en-US" smtClean="0"/>
-              <a:t>‹Nr.›</a:t>
+              <a:t>‹#›</a:t>
             </a:fld>
             <a:endParaRPr lang="en-US"/>
           </a:p>
@@ -11465,7 +11465,7 @@
           <a:p>
             <a:fld id="{3C04E684-10F4-4CC3-A0B9-F03AA7BE37CF}" type="datetimeFigureOut">
               <a:rPr lang="en-US" smtClean="0"/>
-              <a:t>4/24/2022</a:t>
+              <a:t>4/26/22</a:t>
             </a:fld>
             <a:endParaRPr lang="en-US"/>
           </a:p>
@@ -11519,7 +11519,7 @@
           <a:p>
             <a:fld id="{51845F5A-061D-4825-9AE9-D7794091C6CF}" type="slidenum">
               <a:rPr lang="en-US" smtClean="0"/>
-              <a:t>‹Nr.›</a:t>
+              <a:t>‹#›</a:t>
             </a:fld>
             <a:endParaRPr lang="en-US"/>
           </a:p>
@@ -12768,7 +12768,7 @@
           <a:p>
             <a:fld id="{3C04E684-10F4-4CC3-A0B9-F03AA7BE37CF}" type="datetimeFigureOut">
               <a:rPr lang="en-US" smtClean="0"/>
-              <a:t>4/24/2022</a:t>
+              <a:t>4/26/22</a:t>
             </a:fld>
             <a:endParaRPr lang="en-US"/>
           </a:p>
@@ -12826,7 +12826,7 @@
           <a:p>
             <a:fld id="{51845F5A-061D-4825-9AE9-D7794091C6CF}" type="slidenum">
               <a:rPr lang="en-US" smtClean="0"/>
-              <a:t>‹Nr.›</a:t>
+              <a:t>‹#›</a:t>
             </a:fld>
             <a:endParaRPr lang="en-US"/>
           </a:p>
@@ -13015,7 +13015,7 @@
           <a:p>
             <a:fld id="{3C04E684-10F4-4CC3-A0B9-F03AA7BE37CF}" type="datetimeFigureOut">
               <a:rPr lang="en-US" smtClean="0"/>
-              <a:t>4/24/2022</a:t>
+              <a:t>4/26/22</a:t>
             </a:fld>
             <a:endParaRPr lang="en-US"/>
           </a:p>
@@ -13105,7 +13105,7 @@
           <a:p>
             <a:fld id="{51845F5A-061D-4825-9AE9-D7794091C6CF}" type="slidenum">
               <a:rPr lang="en-US" smtClean="0"/>
-              <a:t>‹Nr.›</a:t>
+              <a:t>‹#›</a:t>
             </a:fld>
             <a:endParaRPr lang="en-US"/>
           </a:p>
@@ -13497,7 +13497,7 @@
           <a:lstStyle/>
           <a:p>
             <a:pPr algn="ctr"/>
-            <a:endParaRPr lang="en-US"/>
+            <a:endParaRPr lang="en-US" dirty="0"/>
           </a:p>
         </p:txBody>
       </p:sp>
@@ -13556,12 +13556,12 @@
         <p:spPr>
           <a:xfrm>
             <a:off x="1524000" y="5071718"/>
-            <a:ext cx="9144000" cy="646785"/>
+            <a:ext cx="9144000" cy="866627"/>
           </a:xfrm>
         </p:spPr>
         <p:txBody>
           <a:bodyPr>
-            <a:normAutofit/>
+            <a:normAutofit fontScale="92500" lnSpcReduction="10000"/>
           </a:bodyPr>
           <a:lstStyle/>
           <a:p>
@@ -13570,6 +13570,26 @@
               <a:rPr lang="en-US" dirty="0"/>
               <a:t>Text Mining Exercise 3</a:t>
             </a:r>
+          </a:p>
+          <a:p>
+            <a:pPr algn="ctr"/>
+            <a:r>
+              <a:rPr lang="en-US" dirty="0"/>
+              <a:t>Rebecka </a:t>
+            </a:r>
+            <a:r>
+              <a:rPr lang="en-US" dirty="0" err="1"/>
+              <a:t>fahrni</a:t>
+            </a:r>
+            <a:r>
+              <a:rPr lang="en-US"/>
+              <a:t> &amp; Jessica </a:t>
+            </a:r>
+            <a:r>
+              <a:rPr lang="en-US" err="1"/>
+              <a:t>roady</a:t>
+            </a:r>
+            <a:endParaRPr lang="en-US"/>
           </a:p>
         </p:txBody>
       </p:sp>
@@ -15165,63 +15185,90 @@
         </p:spPr>
         <p:txBody>
           <a:bodyPr>
-            <a:normAutofit/>
+            <a:normAutofit lnSpcReduction="10000"/>
           </a:bodyPr>
           <a:lstStyle/>
           <a:p>
+            <a:pPr marL="0" indent="0">
+              <a:buNone/>
+            </a:pPr>
             <a:r>
-              <a:rPr lang="en-US" sz="2000" dirty="0"/>
-              <a:t>In the full dataset we see, depending on the cut of the tree, 7 groups. My interpretation of the groups would be:</a:t>
+              <a:rPr lang="en-US" sz="2000"/>
+              <a:t>In the full dataset we see 7 groups, depending on the cut of the tree. Our interpretations of the groups would be:</a:t>
+            </a:r>
+          </a:p>
+          <a:p>
+            <a:r>
+              <a:rPr lang="en-US" sz="2000"/>
+              <a:t>Migration, energy, drugs, pregnancy vs. work, initiatives, money and economy, agriculture</a:t>
+            </a:r>
+          </a:p>
+          <a:p>
+            <a:pPr marL="0" indent="0">
+              <a:buNone/>
+            </a:pPr>
+            <a:br>
+              <a:rPr lang="en-US" sz="2000"/>
+            </a:br>
+            <a:r>
+              <a:rPr lang="en-US" sz="2000"/>
+              <a:t>Again, the interpretation of the grouping seems to be difficult:</a:t>
+            </a:r>
+          </a:p>
+          <a:p>
+            <a:r>
+              <a:rPr lang="en-US" sz="2000"/>
+              <a:t>Why is </a:t>
+            </a:r>
+            <a:r>
+              <a:rPr lang="en-US" sz="2000" err="1">
+                <a:latin typeface="Verdana" panose="020B0604030504040204" pitchFamily="34" charset="0"/>
+                <a:ea typeface="Verdana" panose="020B0604030504040204" pitchFamily="34" charset="0"/>
+                <a:cs typeface="Verdana" panose="020B0604030504040204" pitchFamily="34" charset="0"/>
+              </a:rPr>
+              <a:t>verkehr_velo_bahn</a:t>
+            </a:r>
+            <a:r>
+              <a:rPr lang="en-US" sz="2000">
+                <a:latin typeface="Verdana" panose="020B0604030504040204" pitchFamily="34" charset="0"/>
+                <a:ea typeface="Verdana" panose="020B0604030504040204" pitchFamily="34" charset="0"/>
+                <a:cs typeface="Verdana" panose="020B0604030504040204" pitchFamily="34" charset="0"/>
+              </a:rPr>
+              <a:t> </a:t>
+            </a:r>
+            <a:r>
+              <a:rPr lang="en-US" sz="2000">
+                <a:ea typeface="Verdana" panose="020B0604030504040204" pitchFamily="34" charset="0"/>
+                <a:cs typeface="Verdana" panose="020B0604030504040204" pitchFamily="34" charset="0"/>
+              </a:rPr>
+              <a:t>(</a:t>
+            </a:r>
+            <a:r>
+              <a:rPr lang="en-US" sz="2000"/>
+              <a:t>topic 9) grouped with </a:t>
+            </a:r>
+            <a:r>
+              <a:rPr lang="en-US" sz="2000" err="1">
+                <a:latin typeface="Verdana" panose="020B0604030504040204" pitchFamily="34" charset="0"/>
+                <a:ea typeface="Verdana" panose="020B0604030504040204" pitchFamily="34" charset="0"/>
+                <a:cs typeface="Verdana" panose="020B0604030504040204" pitchFamily="34" charset="0"/>
+              </a:rPr>
+              <a:t>kinder_familien_und_vaterschaft</a:t>
+            </a:r>
+            <a:r>
+              <a:rPr lang="en-US" sz="2000"/>
+              <a:t> (topic 20)? </a:t>
+            </a:r>
+          </a:p>
+          <a:p>
+            <a:r>
+              <a:rPr lang="en-US" sz="2000"/>
+              <a:t>In the green group, why is passive smoking and cannabis not first grouped, but passive smoking is first clustered with beer and alcohol advertisement?</a:t>
             </a:r>
           </a:p>
           <a:p>
             <a:pPr lvl="1"/>
-            <a:r>
-              <a:rPr lang="en-US" sz="1600" dirty="0"/>
-              <a:t>Migration, energy, drugs, pregnancy vs. work, initiatives, money and economy, agriculture,.. </a:t>
-            </a:r>
-          </a:p>
-          <a:p>
-            <a:pPr lvl="1"/>
-            <a:r>
-              <a:rPr lang="en-US" sz="1600" dirty="0"/>
-              <a:t>Again, the interpretation of the grouping seems to be difficult. Why is ‘</a:t>
-            </a:r>
-            <a:r>
-              <a:rPr lang="en-US" sz="1600" dirty="0" err="1"/>
-              <a:t>verkehr_velo_bahn</a:t>
-            </a:r>
-            <a:r>
-              <a:rPr lang="en-US" sz="1600" dirty="0"/>
-              <a:t>’ topic 9, together grouped with ‘kinder </a:t>
-            </a:r>
-            <a:r>
-              <a:rPr lang="en-US" sz="1600" dirty="0" err="1"/>
-              <a:t>familien</a:t>
-            </a:r>
-            <a:r>
-              <a:rPr lang="en-US" sz="1600" dirty="0"/>
-              <a:t> und </a:t>
-            </a:r>
-            <a:r>
-              <a:rPr lang="en-US" sz="1600" dirty="0" err="1"/>
-              <a:t>vaterschaft</a:t>
-            </a:r>
-            <a:r>
-              <a:rPr lang="en-US" sz="1600" dirty="0"/>
-              <a:t>’ topic 20 ? </a:t>
-            </a:r>
-          </a:p>
-          <a:p>
-            <a:pPr lvl="1"/>
-            <a:r>
-              <a:rPr lang="en-US" sz="1600" dirty="0"/>
-              <a:t>And why in the green group is passive smoking and cannabis not first grouped but passive smoking is first clustered with beer and alcohol advertisement. </a:t>
-            </a:r>
-          </a:p>
-          <a:p>
-            <a:pPr lvl="1"/>
-            <a:endParaRPr lang="de-CH" sz="1600" dirty="0"/>
+            <a:endParaRPr lang="de-CH" sz="1600"/>
           </a:p>
         </p:txBody>
       </p:sp>
@@ -15307,7 +15354,12 @@
             <p:ph type="title"/>
           </p:nvPr>
         </p:nvSpPr>
-        <p:spPr/>
+        <p:spPr>
+          <a:xfrm>
+            <a:off x="467139" y="176284"/>
+            <a:ext cx="10886661" cy="1861240"/>
+          </a:xfrm>
+        </p:spPr>
         <p:txBody>
           <a:bodyPr>
             <a:normAutofit fontScale="90000"/>
@@ -15315,23 +15367,27 @@
           <a:lstStyle/>
           <a:p>
             <a:r>
-              <a:rPr lang="en-US" dirty="0"/>
-              <a:t>How well performs the </a:t>
+              <a:rPr lang="en-US"/>
+              <a:t>How well does </a:t>
             </a:r>
             <a:r>
-              <a:rPr lang="en-US" dirty="0" err="1"/>
+              <a:rPr lang="en-US" err="1">
+                <a:latin typeface="Verdana" panose="020B0604030504040204" pitchFamily="34" charset="0"/>
+                <a:ea typeface="Verdana" panose="020B0604030504040204" pitchFamily="34" charset="0"/>
+                <a:cs typeface="Verdana" panose="020B0604030504040204" pitchFamily="34" charset="0"/>
+              </a:rPr>
               <a:t>BERTopic</a:t>
             </a:r>
             <a:r>
-              <a:rPr lang="en-US" dirty="0"/>
-              <a:t>? </a:t>
+              <a:rPr lang="en-US"/>
+              <a:t> perform? </a:t>
             </a:r>
             <a:br>
-              <a:rPr lang="en-US" dirty="0"/>
+              <a:rPr lang="en-US"/>
             </a:br>
             <a:r>
-              <a:rPr lang="en-US" dirty="0"/>
-              <a:t>What keywords do you think have been used to filter the speeches?  How long did we have?</a:t>
+              <a:rPr lang="en-US"/>
+              <a:t>What keywords do you think have been used to filter the speeches?  How long did we take?</a:t>
             </a:r>
           </a:p>
         </p:txBody>
@@ -15358,32 +15414,28 @@
           <a:lstStyle/>
           <a:p>
             <a:r>
-              <a:rPr lang="en-US" dirty="0"/>
-              <a:t>The keywords used in the German data are mainly nouns</a:t>
+              <a:rPr lang="en-US"/>
+              <a:t>The keywords used in the German data are mainly nouns.</a:t>
             </a:r>
           </a:p>
           <a:p>
             <a:r>
-              <a:rPr lang="en-US" dirty="0" err="1"/>
+              <a:rPr lang="en-US" err="1">
+                <a:latin typeface="Verdana" panose="020B0604030504040204" pitchFamily="34" charset="0"/>
+                <a:ea typeface="Verdana" panose="020B0604030504040204" pitchFamily="34" charset="0"/>
+                <a:cs typeface="Verdana" panose="020B0604030504040204" pitchFamily="34" charset="0"/>
+              </a:rPr>
               <a:t>BERTopic</a:t>
             </a:r>
             <a:r>
-              <a:rPr lang="en-US" dirty="0"/>
-              <a:t> performed pretty well but it does not take away the </a:t>
-            </a:r>
-            <a:r>
-              <a:rPr lang="en-US" dirty="0" err="1"/>
-              <a:t>stopwords</a:t>
-            </a:r>
-            <a:r>
-              <a:rPr lang="en-US" dirty="0"/>
-              <a:t> so one has to manually remove them or use NLTK.  </a:t>
+              <a:rPr lang="en-US"/>
+              <a:t> performed pretty well, but even with 5000+ data points does not ignore stopwords. </a:t>
             </a:r>
           </a:p>
           <a:p>
             <a:r>
-              <a:rPr lang="en-US" dirty="0"/>
-              <a:t>It took about a day. </a:t>
+              <a:rPr lang="en-US"/>
+              <a:t>It took about two days. </a:t>
             </a:r>
           </a:p>
         </p:txBody>
@@ -15440,8 +15492,8 @@
           <a:lstStyle/>
           <a:p>
             <a:r>
-              <a:rPr lang="en-US" dirty="0"/>
-              <a:t>Problems and difficulties</a:t>
+              <a:rPr lang="en-US"/>
+              <a:t>Problems and Difficulties</a:t>
             </a:r>
           </a:p>
         </p:txBody>
@@ -15462,42 +15514,76 @@
             <p:ph idx="1"/>
           </p:nvPr>
         </p:nvSpPr>
-        <p:spPr/>
+        <p:spPr>
+          <a:xfrm>
+            <a:off x="838200" y="1769165"/>
+            <a:ext cx="10515600" cy="4492487"/>
+          </a:xfrm>
+        </p:spPr>
         <p:txBody>
           <a:bodyPr>
-            <a:normAutofit fontScale="85000" lnSpcReduction="20000"/>
+            <a:normAutofit fontScale="77500" lnSpcReduction="20000"/>
           </a:bodyPr>
           <a:lstStyle/>
           <a:p>
+            <a:pPr marL="0" indent="0">
+              <a:buNone/>
+            </a:pPr>
             <a:r>
-              <a:rPr lang="en-US" dirty="0"/>
-              <a:t>Somewhat troubles interpreting the results, especially the ones from the hierarchical clustering . More than plotting and seeing the differences in the parties is not really possible. Maybe it would have been also more interesting to have the dates of the speeches in order to get the topics over time. This would make the data analysis somewhat more interesting and meaningful.</a:t>
+              <a:rPr lang="en-GB" b="1" dirty="0"/>
+              <a:t>Code</a:t>
             </a:r>
           </a:p>
           <a:p>
             <a:r>
-              <a:rPr lang="en-US" dirty="0"/>
-              <a:t>As we saw that the interpretation of the clustering was in some cases rather difficult. Especially if the groups are too large.</a:t>
+              <a:rPr lang="en-GB" dirty="0"/>
+              <a:t>large amount of data needed before stopwords disappear</a:t>
             </a:r>
           </a:p>
           <a:p>
             <a:r>
-              <a:rPr lang="en-US" dirty="0"/>
-              <a:t>I would suggest that there are not too many topics for the German data, as the grouping/clustering gets more difficult and less easy to interpret. Moreover for each topic in the topic-analysis I would not look at more than </a:t>
+              <a:rPr lang="en-GB" dirty="0"/>
+              <a:t>topic -1 is annoying</a:t>
             </a:r>
+          </a:p>
+          <a:p>
+            <a:pPr marL="0" indent="0">
+              <a:buNone/>
+            </a:pPr>
+            <a:endParaRPr lang="en-GB" b="1" dirty="0"/>
+          </a:p>
+          <a:p>
+            <a:pPr marL="0" indent="0">
+              <a:buNone/>
+            </a:pPr>
             <a:r>
-              <a:rPr lang="en-US"/>
-              <a:t>10 words, best </a:t>
+              <a:rPr lang="en-GB" b="1" dirty="0"/>
+              <a:t>Interpretation</a:t>
             </a:r>
+          </a:p>
+          <a:p>
             <a:r>
-              <a:rPr lang="en-US" dirty="0"/>
-              <a:t>would be 3 just in order to get the </a:t>
+              <a:rPr lang="en-GB" dirty="0"/>
+              <a:t>trouble interpreting results, particularly from hierarchical clustering</a:t>
             </a:r>
+          </a:p>
+          <a:p>
             <a:r>
-              <a:rPr lang="en-US"/>
-              <a:t>main idea of a topic. </a:t>
+              <a:rPr lang="en-GB" dirty="0"/>
+              <a:t>more than plotting and seeing the differences between parties is not really possible</a:t>
             </a:r>
-            <a:endParaRPr lang="en-US" dirty="0"/>
+          </a:p>
+          <a:p>
+            <a:r>
+              <a:rPr lang="en-GB" dirty="0"/>
+              <a:t>preserving the dates of texts would allow for diachronous modelling of topics</a:t>
+            </a:r>
+          </a:p>
+          <a:p>
+            <a:r>
+              <a:rPr lang="en-GB" dirty="0"/>
+              <a:t>limiting the number of topics and keywords per topic improves intelligibility</a:t>
+            </a:r>
           </a:p>
         </p:txBody>
       </p:sp>
@@ -16615,7 +16701,7 @@
         </p:nvSpPr>
         <p:spPr>
           <a:xfrm>
-            <a:off x="838201" y="643467"/>
+            <a:off x="419101" y="275650"/>
             <a:ext cx="3888526" cy="1800526"/>
           </a:xfrm>
         </p:spPr>
@@ -16626,30 +16712,34 @@
           <a:lstStyle/>
           <a:p>
             <a:r>
-              <a:rPr lang="de-CH" dirty="0" err="1"/>
-              <a:t>Full</a:t>
+              <a:rPr lang="de-CH"/>
+              <a:t>Analysis </a:t>
             </a:r>
             <a:r>
-              <a:rPr lang="de-CH" dirty="0"/>
-              <a:t> Data Analysis on </a:t>
+              <a:rPr lang="de-CH" err="1"/>
+              <a:t>of</a:t>
             </a:r>
             <a:r>
-              <a:rPr lang="de-CH" dirty="0" err="1"/>
+              <a:rPr lang="de-CH"/>
+              <a:t> </a:t>
+            </a:r>
+            <a:r>
+              <a:rPr lang="de-CH" err="1"/>
               <a:t>the</a:t>
             </a:r>
             <a:r>
-              <a:rPr lang="de-CH" dirty="0"/>
+              <a:rPr lang="de-CH"/>
               <a:t> </a:t>
             </a:r>
             <a:r>
-              <a:rPr lang="de-CH" dirty="0" err="1"/>
+              <a:rPr lang="de-CH" err="1"/>
               <a:t>speeches</a:t>
             </a:r>
             <a:r>
-              <a:rPr lang="de-CH" dirty="0"/>
+              <a:rPr lang="de-CH"/>
               <a:t> </a:t>
             </a:r>
-            <a:endParaRPr lang="en-US" dirty="0"/>
+            <a:endParaRPr lang="en-US"/>
           </a:p>
         </p:txBody>
       </p:sp>
@@ -16715,8 +16805,8 @@
         </p:blipFill>
         <p:spPr>
           <a:xfrm>
-            <a:off x="598779" y="2471338"/>
-            <a:ext cx="4008237" cy="4111012"/>
+            <a:off x="208723" y="2071280"/>
+            <a:ext cx="4398294" cy="4511070"/>
           </a:xfrm>
           <a:prstGeom prst="rect">
             <a:avLst/>
@@ -16771,8 +16861,8 @@
         </p:nvSpPr>
         <p:spPr>
           <a:xfrm>
-            <a:off x="0" y="-38790"/>
-            <a:ext cx="10515600" cy="1325563"/>
+            <a:off x="176498" y="-38790"/>
+            <a:ext cx="10339101" cy="1325563"/>
           </a:xfrm>
         </p:spPr>
         <p:txBody>
@@ -16780,8 +16870,16 @@
           <a:lstStyle/>
           <a:p>
             <a:r>
-              <a:rPr lang="en-US" dirty="0"/>
-              <a:t>Looking for similar topics for ‘co2’</a:t>
+              <a:rPr lang="en-US"/>
+              <a:t>Looking for similar topics to </a:t>
+            </a:r>
+            <a:r>
+              <a:rPr lang="en-US">
+                <a:latin typeface="Verdana" panose="020B0604030504040204" pitchFamily="34" charset="0"/>
+                <a:ea typeface="Verdana" panose="020B0604030504040204" pitchFamily="34" charset="0"/>
+                <a:cs typeface="Verdana" panose="020B0604030504040204" pitchFamily="34" charset="0"/>
+              </a:rPr>
+              <a:t>co2</a:t>
             </a:r>
           </a:p>
         </p:txBody>
@@ -16804,8 +16902,8 @@
         </p:nvSpPr>
         <p:spPr>
           <a:xfrm>
-            <a:off x="0" y="434040"/>
-            <a:ext cx="4937760" cy="950976"/>
+            <a:off x="176498" y="745434"/>
+            <a:ext cx="1165285" cy="639581"/>
           </a:xfrm>
         </p:spPr>
         <p:txBody>
@@ -16813,10 +16911,10 @@
           <a:lstStyle/>
           <a:p>
             <a:r>
-              <a:rPr lang="de-CH" dirty="0"/>
+              <a:rPr lang="de-CH"/>
               <a:t>SVP</a:t>
             </a:r>
-            <a:endParaRPr lang="en-US" dirty="0"/>
+            <a:endParaRPr lang="en-US"/>
           </a:p>
         </p:txBody>
       </p:sp>
@@ -16844,7 +16942,7 @@
         </p:blipFill>
         <p:spPr>
           <a:xfrm>
-            <a:off x="-15417" y="1380391"/>
+            <a:off x="183363" y="1380391"/>
             <a:ext cx="6232067" cy="2256119"/>
           </a:xfrm>
         </p:spPr>
@@ -16867,8 +16965,8 @@
         </p:nvSpPr>
         <p:spPr>
           <a:xfrm>
-            <a:off x="6232067" y="429415"/>
-            <a:ext cx="4937760" cy="950976"/>
+            <a:off x="6490483" y="815009"/>
+            <a:ext cx="804837" cy="565382"/>
           </a:xfrm>
         </p:spPr>
         <p:txBody>
@@ -16876,10 +16974,10 @@
           <a:lstStyle/>
           <a:p>
             <a:r>
-              <a:rPr lang="de-CH" dirty="0"/>
+              <a:rPr lang="de-CH"/>
               <a:t>SP</a:t>
             </a:r>
-            <a:endParaRPr lang="en-US" dirty="0"/>
+            <a:endParaRPr lang="en-US"/>
           </a:p>
         </p:txBody>
       </p:sp>
@@ -16907,8 +17005,8 @@
         </p:blipFill>
         <p:spPr>
           <a:xfrm>
-            <a:off x="6232067" y="1286773"/>
-            <a:ext cx="5783434" cy="2452604"/>
+            <a:off x="6480313" y="1286773"/>
+            <a:ext cx="5535188" cy="2347329"/>
           </a:xfrm>
         </p:spPr>
       </p:pic>
@@ -16926,8 +17024,8 @@
         </p:nvSpPr>
         <p:spPr>
           <a:xfrm>
-            <a:off x="-15417" y="3832995"/>
-            <a:ext cx="12192000" cy="1477328"/>
+            <a:off x="176498" y="3832995"/>
+            <a:ext cx="11839004" cy="1477328"/>
           </a:xfrm>
           <a:prstGeom prst="rect">
             <a:avLst/>
@@ -16941,56 +17039,114 @@
           <a:lstStyle/>
           <a:p>
             <a:r>
-              <a:rPr lang="en-US" dirty="0"/>
-              <a:t>Interestingly, when we search for similar topics in the </a:t>
+              <a:rPr lang="en-US"/>
+              <a:t>Interestingly, when we search for similar topics in </a:t>
             </a:r>
             <a:r>
-              <a:rPr lang="en-US" dirty="0" err="1"/>
+              <a:rPr lang="en-US" err="1">
+                <a:latin typeface="Verdana" panose="020B0604030504040204" pitchFamily="34" charset="0"/>
+                <a:ea typeface="Verdana" panose="020B0604030504040204" pitchFamily="34" charset="0"/>
+                <a:cs typeface="Verdana" panose="020B0604030504040204" pitchFamily="34" charset="0"/>
+              </a:rPr>
               <a:t>topic_model</a:t>
             </a:r>
             <a:r>
-              <a:rPr lang="en-US" dirty="0"/>
-              <a:t> based on SVP-speeches vs. SP-speeches we clearly see a difference. It seems as if SVP ‘Co2’ related topics focus more on </a:t>
+              <a:rPr lang="en-US">
+                <a:latin typeface="Verdana" panose="020B0604030504040204" pitchFamily="34" charset="0"/>
+                <a:ea typeface="Verdana" panose="020B0604030504040204" pitchFamily="34" charset="0"/>
+                <a:cs typeface="Verdana" panose="020B0604030504040204" pitchFamily="34" charset="0"/>
+              </a:rPr>
+              <a:t> </a:t>
             </a:r>
             <a:r>
-              <a:rPr lang="en-US" dirty="0" err="1"/>
+              <a:rPr lang="en-US"/>
+              <a:t>based on SVP vs. SP speeches, we clearly see a difference. It seems as if SVP </a:t>
+            </a:r>
+            <a:r>
+              <a:rPr lang="en-US">
+                <a:latin typeface="Verdana" panose="020B0604030504040204" pitchFamily="34" charset="0"/>
+                <a:ea typeface="Verdana" panose="020B0604030504040204" pitchFamily="34" charset="0"/>
+                <a:cs typeface="Verdana" panose="020B0604030504040204" pitchFamily="34" charset="0"/>
+              </a:rPr>
+              <a:t>co2-</a:t>
+            </a:r>
+            <a:r>
+              <a:rPr lang="en-US"/>
+              <a:t>related topics focus more on </a:t>
+            </a:r>
+            <a:r>
+              <a:rPr lang="en-US" err="1">
+                <a:latin typeface="Verdana" panose="020B0604030504040204" pitchFamily="34" charset="0"/>
+                <a:ea typeface="Verdana" panose="020B0604030504040204" pitchFamily="34" charset="0"/>
+                <a:cs typeface="Verdana" panose="020B0604030504040204" pitchFamily="34" charset="0"/>
+              </a:rPr>
               <a:t>lsva</a:t>
             </a:r>
             <a:r>
-              <a:rPr lang="en-US" dirty="0"/>
-              <a:t>(</a:t>
+              <a:rPr lang="en-US"/>
+              <a:t> (</a:t>
             </a:r>
             <a:r>
-              <a:rPr lang="en-US" dirty="0" err="1"/>
+              <a:rPr lang="en-US" i="1" err="1"/>
               <a:t>Scherverkehrsabgabe</a:t>
             </a:r>
             <a:r>
-              <a:rPr lang="en-US" dirty="0"/>
-              <a:t> = shear traffic tax), </a:t>
+              <a:rPr lang="en-US"/>
+              <a:t> = sheer traffic tax), </a:t>
             </a:r>
             <a:r>
-              <a:rPr lang="en-US" dirty="0" err="1"/>
+              <a:rPr lang="en-US" err="1">
+                <a:latin typeface="Verdana" panose="020B0604030504040204" pitchFamily="34" charset="0"/>
+                <a:ea typeface="Verdana" panose="020B0604030504040204" pitchFamily="34" charset="0"/>
+                <a:cs typeface="Verdana" panose="020B0604030504040204" pitchFamily="34" charset="0"/>
+              </a:rPr>
               <a:t>luftfahrt</a:t>
             </a:r>
             <a:r>
-              <a:rPr lang="en-US" dirty="0"/>
+              <a:rPr lang="en-US"/>
               <a:t> (aviation) and </a:t>
             </a:r>
             <a:r>
-              <a:rPr lang="en-US" dirty="0" err="1"/>
+              <a:rPr lang="en-US" err="1">
+                <a:latin typeface="Verdana" panose="020B0604030504040204" pitchFamily="34" charset="0"/>
+                <a:ea typeface="Verdana" panose="020B0604030504040204" pitchFamily="34" charset="0"/>
+                <a:cs typeface="Verdana" panose="020B0604030504040204" pitchFamily="34" charset="0"/>
+              </a:rPr>
               <a:t>forschung</a:t>
             </a:r>
             <a:r>
-              <a:rPr lang="en-US" dirty="0"/>
-              <a:t>(research), which are topics more economic related. Whereas, in the SP-speeches similar topics to ‘CO2’  are very different and ‘</a:t>
+              <a:rPr lang="en-US"/>
+              <a:t> (research), which are more economy-related topics. </a:t>
+            </a:r>
+          </a:p>
+          <a:p>
+            <a:r>
+              <a:rPr lang="en-US"/>
+              <a:t>Topics similar to </a:t>
             </a:r>
             <a:r>
-              <a:rPr lang="en-US" dirty="0" err="1"/>
-              <a:t>Erschöpfung</a:t>
+              <a:rPr lang="en-US">
+                <a:latin typeface="Verdana" panose="020B0604030504040204" pitchFamily="34" charset="0"/>
+                <a:ea typeface="Verdana" panose="020B0604030504040204" pitchFamily="34" charset="0"/>
+                <a:cs typeface="Verdana" panose="020B0604030504040204" pitchFamily="34" charset="0"/>
+              </a:rPr>
+              <a:t>co2</a:t>
             </a:r>
             <a:r>
-              <a:rPr lang="en-US" dirty="0"/>
-              <a:t>’= exhaustion in closely related to Co2. </a:t>
+              <a:rPr lang="en-US"/>
+              <a:t> in the SP speeches are very different – for example, </a:t>
+            </a:r>
+            <a:r>
+              <a:rPr lang="en-US" err="1">
+                <a:latin typeface="Verdana" panose="020B0604030504040204" pitchFamily="34" charset="0"/>
+                <a:ea typeface="Verdana" panose="020B0604030504040204" pitchFamily="34" charset="0"/>
+                <a:cs typeface="Verdana" panose="020B0604030504040204" pitchFamily="34" charset="0"/>
+              </a:rPr>
+              <a:t>erschöpfung</a:t>
+            </a:r>
+            <a:r>
+              <a:rPr lang="en-US"/>
+              <a:t> (exhaustion) here is closely related to Co2. </a:t>
             </a:r>
           </a:p>
         </p:txBody>
@@ -17043,17 +17199,19 @@
         </p:nvSpPr>
         <p:spPr>
           <a:xfrm>
-            <a:off x="0" y="0"/>
-            <a:ext cx="11355388" cy="1690688"/>
+            <a:off x="308112" y="0"/>
+            <a:ext cx="11047276" cy="1690688"/>
           </a:xfrm>
         </p:spPr>
         <p:txBody>
-          <a:bodyPr/>
+          <a:bodyPr>
+            <a:normAutofit/>
+          </a:bodyPr>
           <a:lstStyle/>
           <a:p>
             <a:r>
-              <a:rPr lang="en-US" dirty="0"/>
-              <a:t>Visualize topics, their sizes, and their corresponding words</a:t>
+              <a:rPr lang="en-US" sz="3600"/>
+              <a:t>Visualize topics, sizes, and corresponding words</a:t>
             </a:r>
           </a:p>
         </p:txBody>
@@ -17076,7 +17234,7 @@
         </p:nvSpPr>
         <p:spPr>
           <a:xfrm>
-            <a:off x="0" y="1215200"/>
+            <a:off x="308112" y="1215200"/>
             <a:ext cx="4937760" cy="950976"/>
           </a:xfrm>
         </p:spPr>
@@ -17085,10 +17243,10 @@
           <a:lstStyle/>
           <a:p>
             <a:r>
-              <a:rPr lang="de-CH" dirty="0"/>
+              <a:rPr lang="de-CH"/>
               <a:t>SVP</a:t>
             </a:r>
-            <a:endParaRPr lang="en-US" dirty="0"/>
+            <a:endParaRPr lang="en-US"/>
           </a:p>
         </p:txBody>
       </p:sp>
@@ -17122,7 +17280,7 @@
         </p:blipFill>
         <p:spPr>
           <a:xfrm>
-            <a:off x="-13494" y="2192243"/>
+            <a:off x="294618" y="2192243"/>
             <a:ext cx="4674394" cy="4674394"/>
           </a:xfrm>
         </p:spPr>
@@ -17154,10 +17312,10 @@
           <a:lstStyle/>
           <a:p>
             <a:r>
-              <a:rPr lang="de-CH" dirty="0"/>
+              <a:rPr lang="de-CH"/>
               <a:t>SP</a:t>
             </a:r>
-            <a:endParaRPr lang="en-US" dirty="0"/>
+            <a:endParaRPr lang="en-US"/>
           </a:p>
         </p:txBody>
       </p:sp>
@@ -17228,34 +17386,6 @@
       </p:grpSpPr>
       <p:sp>
         <p:nvSpPr>
-          <p:cNvPr id="2" name="Titel 1">
-            <a:extLst>
-              <a:ext uri="{FF2B5EF4-FFF2-40B4-BE49-F238E27FC236}">
-                <a16:creationId xmlns:a16="http://schemas.microsoft.com/office/drawing/2014/main" id="{464AFB70-273B-4439-B02D-E554CE2D1D1C}"/>
-              </a:ext>
-            </a:extLst>
-          </p:cNvPr>
-          <p:cNvSpPr>
-            <a:spLocks noGrp="1"/>
-          </p:cNvSpPr>
-          <p:nvPr>
-            <p:ph type="title"/>
-          </p:nvPr>
-        </p:nvSpPr>
-        <p:spPr/>
-        <p:txBody>
-          <a:bodyPr/>
-          <a:lstStyle/>
-          <a:p>
-            <a:r>
-              <a:rPr lang="en-US" dirty="0"/>
-              <a:t>Visualize topics, their sizes, and their corresponding words</a:t>
-            </a:r>
-          </a:p>
-        </p:txBody>
-      </p:sp>
-      <p:sp>
-        <p:nvSpPr>
           <p:cNvPr id="3" name="Inhaltsplatzhalter 2">
             <a:extLst>
               <a:ext uri="{FF2B5EF4-FFF2-40B4-BE49-F238E27FC236}">
@@ -17279,31 +17409,77 @@
               <a:buNone/>
             </a:pPr>
             <a:r>
-              <a:rPr lang="en-US" dirty="0"/>
-              <a:t>We saw in the previous slide that the topics and their corresponding words are more diverse and spread out, in the SP-speeches.</a:t>
+              <a:rPr lang="en-US"/>
+              <a:t>We saw in the previous slide that the topics and their corresponding words are more diverse and spread out in the SP speeches.</a:t>
             </a:r>
           </a:p>
           <a:p>
             <a:pPr marL="0" indent="0">
               <a:buNone/>
             </a:pPr>
-            <a:endParaRPr lang="en-US" dirty="0"/>
+            <a:endParaRPr lang="en-US"/>
           </a:p>
           <a:p>
             <a:pPr marL="0" indent="0">
               <a:buNone/>
             </a:pPr>
             <a:r>
-              <a:rPr lang="en-US" dirty="0"/>
-              <a:t>Whereas the SVP-speeches topics are more less </a:t>
+              <a:rPr lang="en-US"/>
+              <a:t>Topics in the SVP speeches are more concentrated.</a:t>
             </a:r>
+          </a:p>
+        </p:txBody>
+      </p:sp>
+      <p:sp>
+        <p:nvSpPr>
+          <p:cNvPr id="6" name="Titel 1">
+            <a:extLst>
+              <a:ext uri="{FF2B5EF4-FFF2-40B4-BE49-F238E27FC236}">
+                <a16:creationId xmlns:a16="http://schemas.microsoft.com/office/drawing/2014/main" id="{AC629CFE-9D86-0915-7B49-F797B445955A}"/>
+              </a:ext>
+            </a:extLst>
+          </p:cNvPr>
+          <p:cNvSpPr txBox="1">
+            <a:spLocks/>
+          </p:cNvSpPr>
+          <p:nvPr/>
+        </p:nvSpPr>
+        <p:spPr>
+          <a:xfrm>
+            <a:off x="308112" y="0"/>
+            <a:ext cx="11047276" cy="1690688"/>
+          </a:xfrm>
+          <a:prstGeom prst="rect">
+            <a:avLst/>
+          </a:prstGeom>
+        </p:spPr>
+        <p:txBody>
+          <a:bodyPr vert="horz" lIns="91440" tIns="45720" rIns="91440" bIns="45720" rtlCol="0" anchor="ctr">
+            <a:normAutofit/>
+          </a:bodyPr>
+          <a:lstStyle>
+            <a:lvl1pPr algn="l" defTabSz="914400" rtl="0" eaLnBrk="1" latinLnBrk="0" hangingPunct="1">
+              <a:lnSpc>
+                <a:spcPct val="90000"/>
+              </a:lnSpc>
+              <a:spcBef>
+                <a:spcPct val="0"/>
+              </a:spcBef>
+              <a:buNone/>
+              <a:defRPr sz="4000" i="0" kern="1200">
+                <a:solidFill>
+                  <a:schemeClr val="tx1"/>
+                </a:solidFill>
+                <a:latin typeface="+mj-lt"/>
+                <a:ea typeface="+mj-ea"/>
+                <a:cs typeface="+mj-cs"/>
+              </a:defRPr>
+            </a:lvl1pPr>
+          </a:lstStyle>
+          <a:p>
             <a:r>
-              <a:rPr lang="en-US" dirty="0" err="1"/>
-              <a:t>spreaded</a:t>
-            </a:r>
-            <a:r>
-              <a:rPr lang="en-US" dirty="0"/>
-              <a:t>.</a:t>
+              <a:rPr lang="en-US" sz="3600"/>
+              <a:t>Visualize topics, sizes, and corresponding words</a:t>
             </a:r>
           </a:p>
         </p:txBody>
@@ -17356,8 +17532,8 @@
         </p:nvSpPr>
         <p:spPr>
           <a:xfrm>
-            <a:off x="0" y="-115281"/>
-            <a:ext cx="12433300" cy="1486881"/>
+            <a:off x="218660" y="0"/>
+            <a:ext cx="12214639" cy="1371600"/>
           </a:xfrm>
         </p:spPr>
         <p:txBody>
@@ -17365,12 +17541,8 @@
           <a:lstStyle/>
           <a:p>
             <a:r>
-              <a:rPr lang="en-US" dirty="0" err="1"/>
-              <a:t>Hierarchchical</a:t>
-            </a:r>
-            <a:r>
-              <a:rPr lang="en-US" dirty="0"/>
-              <a:t> Clustering: Visualize Topic Hierarchy  </a:t>
+              <a:rPr lang="en-US"/>
+              <a:t>Hierarchical Clustering: Visualize Topic Hierarchy  </a:t>
             </a:r>
           </a:p>
         </p:txBody>
@@ -17393,7 +17565,7 @@
         </p:nvSpPr>
         <p:spPr>
           <a:xfrm>
-            <a:off x="-18097" y="688289"/>
+            <a:off x="180683" y="688289"/>
             <a:ext cx="4937760" cy="950976"/>
           </a:xfrm>
         </p:spPr>
@@ -17402,10 +17574,10 @@
           <a:lstStyle/>
           <a:p>
             <a:r>
-              <a:rPr lang="de-CH" dirty="0"/>
+              <a:rPr lang="de-CH"/>
               <a:t>SVP</a:t>
             </a:r>
-            <a:endParaRPr lang="en-US" dirty="0"/>
+            <a:endParaRPr lang="en-US"/>
           </a:p>
         </p:txBody>
       </p:sp>
@@ -17439,7 +17611,7 @@
         </p:blipFill>
         <p:spPr>
           <a:xfrm>
-            <a:off x="0" y="1639265"/>
+            <a:off x="198780" y="1639265"/>
             <a:ext cx="6477467" cy="3530219"/>
           </a:xfrm>
         </p:spPr>
@@ -17471,10 +17643,10 @@
           <a:lstStyle/>
           <a:p>
             <a:r>
-              <a:rPr lang="de-CH" dirty="0"/>
+              <a:rPr lang="de-CH"/>
               <a:t>SP</a:t>
             </a:r>
-            <a:endParaRPr lang="en-US" dirty="0"/>
+            <a:endParaRPr lang="en-US"/>
           </a:p>
         </p:txBody>
       </p:sp>
@@ -17564,7 +17736,7 @@
           <a:lstStyle/>
           <a:p>
             <a:r>
-              <a:rPr lang="en-US" dirty="0"/>
+              <a:rPr lang="en-US"/>
               <a:t>Hierarchical Clustering: Visualize Topic Hierarchy </a:t>
             </a:r>
           </a:p>
@@ -17594,65 +17766,65 @@
           <a:lstStyle/>
           <a:p>
             <a:r>
-              <a:rPr lang="en-US" dirty="0"/>
+              <a:rPr lang="en-US"/>
               <a:t>We see a clear difference in the clustering of the topics.</a:t>
             </a:r>
           </a:p>
           <a:p>
             <a:r>
-              <a:rPr lang="en-US" dirty="0"/>
-              <a:t>But it is clear, depending on the cut of the clustering tree, we can see a grouping of 3 colors (red, green, light blue).</a:t>
+              <a:rPr lang="en-US"/>
+              <a:t>By looking at the cut of the clustering tree, we can see a grouping of 3 colors (red, green, light blue).</a:t>
             </a:r>
           </a:p>
           <a:p>
             <a:r>
-              <a:rPr lang="en-US" dirty="0"/>
-              <a:t>The green group seems to be about energy/co2 in the SP-speeches but according to the analysis on SVP-speeches  also the cannabis consumption topic is a part of that group. This makes the interpretation more difficult. </a:t>
+              <a:rPr lang="en-US"/>
+              <a:t>The green group seems to be about energy/CO2 in the SP speeches, but according to the analysis of SVP speeches, the topic of cannabis consumption is also a part of that group. This makes the interpretation more difficult. </a:t>
             </a:r>
           </a:p>
           <a:p>
             <a:r>
-              <a:rPr lang="en-US" dirty="0"/>
-              <a:t>Also the interpretation of the red grouping is difficult, as it seems to be about money-related topics in SP-speeches it is very different in the SVP-speeches, maybe about initiatives (</a:t>
+              <a:rPr lang="en-US"/>
+              <a:t>Interpretation of the red group is also difficult, as it seems to be about money in SP speeches but something else entirely in the SVP speeches (perhaps initiatives – </a:t>
             </a:r>
             <a:r>
-              <a:rPr lang="de-CH" dirty="0"/>
+              <a:rPr lang="de-CH"/>
               <a:t>Gesundheitswesen/Gleichstellung</a:t>
             </a:r>
             <a:r>
-              <a:rPr lang="en-US" dirty="0"/>
+              <a:rPr lang="en-US"/>
               <a:t>/AHV/cannabis). </a:t>
             </a:r>
           </a:p>
           <a:p>
             <a:r>
-              <a:rPr lang="en-US" dirty="0"/>
-              <a:t>Then the light blue topic group in the SVP-speeches it seems to be more about money-related topics and in the SP-speeches more about initiatives.</a:t>
+              <a:rPr lang="en-US"/>
+              <a:t>Conversely, the light blue topic group in the SVP speeches seems to be more about money and in the SP speeches more about initiatives.</a:t>
             </a:r>
           </a:p>
           <a:p>
             <a:r>
-              <a:rPr lang="en-US" dirty="0"/>
-              <a:t>If we look into the groups and pick for example, the topic 5 it falls in both cases SVP/SP-speeches under a group related to money. </a:t>
+              <a:rPr lang="en-US"/>
+              <a:t>If we examine the groups and pick, for example, topic 5, it falls under a group related to money in both SVP and SP speeches. </a:t>
             </a:r>
           </a:p>
           <a:p>
             <a:r>
-              <a:rPr lang="en-US" dirty="0"/>
-              <a:t>According to the title and the group if falls into, topic 11 in SVP-speech in my opinion is quite a misfit. </a:t>
+              <a:rPr lang="en-US"/>
+              <a:t>According to the title and the group it falls into, topic 11 in SVP speeches seems a misfit. </a:t>
             </a:r>
           </a:p>
           <a:p>
-            <a:endParaRPr lang="de-CH" dirty="0"/>
+            <a:endParaRPr lang="de-CH"/>
           </a:p>
           <a:p>
-            <a:endParaRPr lang="de-CH" dirty="0"/>
+            <a:endParaRPr lang="de-CH"/>
           </a:p>
           <a:p>
-            <a:endParaRPr lang="en-US" dirty="0"/>
+            <a:endParaRPr lang="en-US"/>
           </a:p>
           <a:p>
-            <a:endParaRPr lang="en-US" dirty="0"/>
+            <a:endParaRPr lang="en-US"/>
           </a:p>
         </p:txBody>
       </p:sp>
@@ -17713,15 +17885,15 @@
           <a:lstStyle/>
           <a:p>
             <a:r>
-              <a:rPr lang="en-US" dirty="0"/>
+              <a:rPr lang="en-US"/>
               <a:t>Visualize a </a:t>
             </a:r>
             <a:r>
-              <a:rPr lang="en-US" dirty="0" err="1"/>
+              <a:rPr lang="en-US" err="1"/>
               <a:t>barchart</a:t>
             </a:r>
             <a:r>
-              <a:rPr lang="en-US" dirty="0"/>
+              <a:rPr lang="en-US"/>
               <a:t> of selected topics</a:t>
             </a:r>
           </a:p>
@@ -17756,10 +17928,10 @@
           <a:lstStyle/>
           <a:p>
             <a:r>
-              <a:rPr lang="de-CH" dirty="0"/>
+              <a:rPr lang="de-CH"/>
               <a:t>SVP</a:t>
             </a:r>
-            <a:endParaRPr lang="en-US" dirty="0"/>
+            <a:endParaRPr lang="en-US"/>
           </a:p>
         </p:txBody>
       </p:sp>
@@ -17826,10 +17998,10 @@
           <a:lstStyle/>
           <a:p>
             <a:r>
-              <a:rPr lang="de-CH" dirty="0"/>
+              <a:rPr lang="de-CH"/>
               <a:t>SP</a:t>
             </a:r>
-            <a:endParaRPr lang="en-US" dirty="0"/>
+            <a:endParaRPr lang="en-US"/>
           </a:p>
         </p:txBody>
       </p:sp>
@@ -17913,13 +18085,18 @@
             <p:ph type="title"/>
           </p:nvPr>
         </p:nvSpPr>
-        <p:spPr/>
+        <p:spPr>
+          <a:xfrm>
+            <a:off x="419363" y="384206"/>
+            <a:ext cx="10515600" cy="1325563"/>
+          </a:xfrm>
+        </p:spPr>
         <p:txBody>
           <a:bodyPr/>
           <a:lstStyle/>
           <a:p>
             <a:r>
-              <a:rPr lang="en-US" dirty="0"/>
+              <a:rPr lang="en-US"/>
               <a:t>Visualize Topic Similarity </a:t>
             </a:r>
           </a:p>
@@ -17943,7 +18120,7 @@
         </p:nvSpPr>
         <p:spPr>
           <a:xfrm>
-            <a:off x="-97472" y="1347089"/>
+            <a:off x="419363" y="1347089"/>
             <a:ext cx="4937760" cy="950976"/>
           </a:xfrm>
         </p:spPr>
@@ -17952,10 +18129,10 @@
           <a:lstStyle/>
           <a:p>
             <a:r>
-              <a:rPr lang="de-CH" dirty="0"/>
+              <a:rPr lang="de-CH"/>
               <a:t>SVP</a:t>
             </a:r>
-            <a:endParaRPr lang="en-US" dirty="0"/>
+            <a:endParaRPr lang="en-US"/>
           </a:p>
         </p:txBody>
       </p:sp>
@@ -17989,7 +18166,7 @@
         </p:blipFill>
         <p:spPr>
           <a:xfrm>
-            <a:off x="0" y="2298065"/>
+            <a:off x="516835" y="2298065"/>
             <a:ext cx="4572000" cy="4572000"/>
           </a:xfrm>
         </p:spPr>
@@ -18021,10 +18198,10 @@
           <a:lstStyle/>
           <a:p>
             <a:r>
-              <a:rPr lang="de-CH" dirty="0"/>
+              <a:rPr lang="de-CH"/>
               <a:t>SP</a:t>
             </a:r>
-            <a:endParaRPr lang="en-US" dirty="0"/>
+            <a:endParaRPr lang="en-US"/>
           </a:p>
         </p:txBody>
       </p:sp>
